--- a/M8_Monocle_Pseudotime/M5_Monocle_Timeseries.pptx
+++ b/M8_Monocle_Pseudotime/M5_Monocle_Timeseries.pptx
@@ -2,7 +2,7 @@
 <file path=ppt/presentation.xml><?xml version="1.0" encoding="utf-8"?>
 <p:presentation xmlns:a="http://schemas.openxmlformats.org/drawingml/2006/main" xmlns:r="http://schemas.openxmlformats.org/officeDocument/2006/relationships" xmlns:p="http://schemas.openxmlformats.org/presentationml/2006/main" saveSubsetFonts="1">
   <p:sldMasterIdLst>
-    <p:sldMasterId id="2147483648" r:id="rId1"/>
+    <p:sldMasterId id="2147483656" r:id="rId1"/>
   </p:sldMasterIdLst>
   <p:notesMasterIdLst>
     <p:notesMasterId r:id="rId5"/>
@@ -199,7 +199,7 @@
           <a:p>
             <a:fld id="{FF40CFF0-3E11-4AF6-9747-7919C58FBC48}" type="datetimeFigureOut">
               <a:rPr lang="en-US" smtClean="0"/>
-              <a:t>1/4/24</a:t>
+              <a:t>1/9/24</a:t>
             </a:fld>
             <a:endParaRPr lang="en-US"/>
           </a:p>
@@ -617,9 +617,10 @@
           </a:lstStyle>
           <a:p>
             <a:r>
-              <a:rPr lang="en-US" dirty="0"/>
+              <a:rPr lang="en-US"/>
               <a:t>Click to edit Master title style</a:t>
             </a:r>
+            <a:endParaRPr lang="en-US" dirty="0"/>
           </a:p>
         </p:txBody>
       </p:sp>
@@ -691,9 +692,10 @@
           </a:lstStyle>
           <a:p>
             <a:r>
-              <a:rPr lang="en-US" dirty="0"/>
+              <a:rPr lang="en-US"/>
               <a:t>Click to edit Master subtitle style</a:t>
             </a:r>
+            <a:endParaRPr lang="en-US" dirty="0"/>
           </a:p>
         </p:txBody>
       </p:sp>
@@ -720,7 +722,7 @@
           <a:p>
             <a:fld id="{9F69634C-F75C-45F7-A87A-C5E2AF3ECA41}" type="datetimeFigureOut">
               <a:rPr lang="en-US" smtClean="0"/>
-              <a:t>1/4/24</a:t>
+              <a:t>1/9/24</a:t>
             </a:fld>
             <a:endParaRPr lang="en-US"/>
           </a:p>
@@ -788,7 +790,7 @@
     </p:spTree>
     <p:extLst>
       <p:ext uri="{BB962C8B-B14F-4D97-AF65-F5344CB8AC3E}">
-        <p14:creationId xmlns:p14="http://schemas.microsoft.com/office/powerpoint/2010/main" val="3854820101"/>
+        <p14:creationId xmlns:p14="http://schemas.microsoft.com/office/powerpoint/2010/main" val="1226069280"/>
       </p:ext>
     </p:extLst>
   </p:cSld>
@@ -855,9 +857,10 @@
           </a:lstStyle>
           <a:p>
             <a:r>
-              <a:rPr lang="en-US" dirty="0"/>
+              <a:rPr lang="en-US"/>
               <a:t>Click to edit Master title style</a:t>
             </a:r>
+            <a:endParaRPr lang="en-US" dirty="0"/>
           </a:p>
         </p:txBody>
       </p:sp>
@@ -884,7 +887,7 @@
           <a:p>
             <a:fld id="{9F69634C-F75C-45F7-A87A-C5E2AF3ECA41}" type="datetimeFigureOut">
               <a:rPr lang="en-US" smtClean="0"/>
-              <a:t>1/4/24</a:t>
+              <a:t>1/9/24</a:t>
             </a:fld>
             <a:endParaRPr lang="en-US"/>
           </a:p>
@@ -952,7 +955,7 @@
     </p:spTree>
     <p:extLst>
       <p:ext uri="{BB962C8B-B14F-4D97-AF65-F5344CB8AC3E}">
-        <p14:creationId xmlns:p14="http://schemas.microsoft.com/office/powerpoint/2010/main" val="951555058"/>
+        <p14:creationId xmlns:p14="http://schemas.microsoft.com/office/powerpoint/2010/main" val="199625078"/>
       </p:ext>
     </p:extLst>
   </p:cSld>
@@ -1087,7 +1090,7 @@
           <a:p>
             <a:fld id="{9F69634C-F75C-45F7-A87A-C5E2AF3ECA41}" type="datetimeFigureOut">
               <a:rPr lang="en-US" smtClean="0"/>
-              <a:t>1/4/24</a:t>
+              <a:t>1/9/24</a:t>
             </a:fld>
             <a:endParaRPr lang="en-US"/>
           </a:p>
@@ -1150,7 +1153,7 @@
     </p:spTree>
     <p:extLst>
       <p:ext uri="{BB962C8B-B14F-4D97-AF65-F5344CB8AC3E}">
-        <p14:creationId xmlns:p14="http://schemas.microsoft.com/office/powerpoint/2010/main" val="4144178324"/>
+        <p14:creationId xmlns:p14="http://schemas.microsoft.com/office/powerpoint/2010/main" val="3037110401"/>
       </p:ext>
     </p:extLst>
   </p:cSld>
@@ -1352,7 +1355,7 @@
           <a:p>
             <a:fld id="{9F69634C-F75C-45F7-A87A-C5E2AF3ECA41}" type="datetimeFigureOut">
               <a:rPr lang="en-US" smtClean="0"/>
-              <a:t>1/4/24</a:t>
+              <a:t>1/9/24</a:t>
             </a:fld>
             <a:endParaRPr lang="en-US"/>
           </a:p>
@@ -1415,7 +1418,7 @@
     </p:spTree>
     <p:extLst>
       <p:ext uri="{BB962C8B-B14F-4D97-AF65-F5344CB8AC3E}">
-        <p14:creationId xmlns:p14="http://schemas.microsoft.com/office/powerpoint/2010/main" val="1901060785"/>
+        <p14:creationId xmlns:p14="http://schemas.microsoft.com/office/powerpoint/2010/main" val="3048257282"/>
       </p:ext>
     </p:extLst>
   </p:cSld>
@@ -1465,7 +1468,7 @@
           <a:p>
             <a:fld id="{9F69634C-F75C-45F7-A87A-C5E2AF3ECA41}" type="datetimeFigureOut">
               <a:rPr lang="en-US" smtClean="0"/>
-              <a:t>1/4/24</a:t>
+              <a:t>1/9/24</a:t>
             </a:fld>
             <a:endParaRPr lang="en-US"/>
           </a:p>
@@ -1528,7 +1531,7 @@
     </p:spTree>
     <p:extLst>
       <p:ext uri="{BB962C8B-B14F-4D97-AF65-F5344CB8AC3E}">
-        <p14:creationId xmlns:p14="http://schemas.microsoft.com/office/powerpoint/2010/main" val="1272395690"/>
+        <p14:creationId xmlns:p14="http://schemas.microsoft.com/office/powerpoint/2010/main" val="3412722986"/>
       </p:ext>
     </p:extLst>
   </p:cSld>
@@ -1706,7 +1709,7 @@
           <a:p>
             <a:fld id="{9F69634C-F75C-45F7-A87A-C5E2AF3ECA41}" type="datetimeFigureOut">
               <a:rPr lang="en-US" smtClean="0"/>
-              <a:t>1/4/24</a:t>
+              <a:t>1/9/24</a:t>
             </a:fld>
             <a:endParaRPr lang="en-US"/>
           </a:p>
@@ -1812,7 +1815,7 @@
             </a:extLst>
           </p:cNvPr>
           <p:cNvGrpSpPr/>
-          <p:nvPr userDrawn="1"/>
+          <p:nvPr/>
         </p:nvGrpSpPr>
         <p:grpSpPr>
           <a:xfrm>
@@ -2112,17 +2115,17 @@
     </p:spTree>
     <p:extLst>
       <p:ext uri="{BB962C8B-B14F-4D97-AF65-F5344CB8AC3E}">
-        <p14:creationId xmlns:p14="http://schemas.microsoft.com/office/powerpoint/2010/main" val="2029020425"/>
+        <p14:creationId xmlns:p14="http://schemas.microsoft.com/office/powerpoint/2010/main" val="3830994340"/>
       </p:ext>
     </p:extLst>
   </p:cSld>
   <p:clrMap bg1="lt1" tx1="dk1" bg2="lt2" tx2="dk2" accent1="accent1" accent2="accent2" accent3="accent3" accent4="accent4" accent5="accent5" accent6="accent6" hlink="hlink" folHlink="folHlink"/>
   <p:sldLayoutIdLst>
-    <p:sldLayoutId id="2147483649" r:id="rId1"/>
-    <p:sldLayoutId id="2147483654" r:id="rId2"/>
-    <p:sldLayoutId id="2147483650" r:id="rId3"/>
-    <p:sldLayoutId id="2147483652" r:id="rId4"/>
-    <p:sldLayoutId id="2147483655" r:id="rId5"/>
+    <p:sldLayoutId id="2147483657" r:id="rId1"/>
+    <p:sldLayoutId id="2147483658" r:id="rId2"/>
+    <p:sldLayoutId id="2147483659" r:id="rId3"/>
+    <p:sldLayoutId id="2147483660" r:id="rId4"/>
+    <p:sldLayoutId id="2147483661" r:id="rId5"/>
   </p:sldLayoutIdLst>
   <p:txStyles>
     <p:titleStyle>
